--- a/aulas/t/SOP-T0-2ISO.pptx
+++ b/aulas/t/SOP-T0-2ISO.pptx
@@ -4949,8 +4949,12 @@
               <a:buChar char="Ø"/>
             </a:pPr>
             <a:r>
+              <a:rPr lang="pt-PT" sz="2000" b="0" i="0"/>
+              <a:t>Níveis num sistema </a:t>
+            </a:r>
+            <a:r>
               <a:rPr lang="pt-PT" sz="2000" b="0" i="0" dirty="0"/>
-              <a:t>Níveis sistema computacional:</a:t>
+              <a:t>computacional:</a:t>
             </a:r>
           </a:p>
           <a:p>
